--- a/Presentation- Prediction of credit card default.pptx
+++ b/Presentation- Prediction of credit card default.pptx
@@ -5,10 +5,10 @@
     <p:sldMasterId id="2147483648" r:id="rId1"/>
   </p:sldMasterIdLst>
   <p:notesMasterIdLst>
-    <p:notesMasterId r:id="rId24"/>
+    <p:notesMasterId r:id="rId25"/>
   </p:notesMasterIdLst>
   <p:handoutMasterIdLst>
-    <p:handoutMasterId r:id="rId25"/>
+    <p:handoutMasterId r:id="rId26"/>
   </p:handoutMasterIdLst>
   <p:sldIdLst>
     <p:sldId id="259" r:id="rId2"/>
@@ -31,8 +31,9 @@
     <p:sldId id="303" r:id="rId19"/>
     <p:sldId id="304" r:id="rId20"/>
     <p:sldId id="305" r:id="rId21"/>
-    <p:sldId id="306" r:id="rId22"/>
-    <p:sldId id="307" r:id="rId23"/>
+    <p:sldId id="308" r:id="rId22"/>
+    <p:sldId id="306" r:id="rId23"/>
+    <p:sldId id="307" r:id="rId24"/>
   </p:sldIdLst>
   <p:sldSz cx="9144000" cy="6858000" type="screen4x3"/>
   <p:notesSz cx="6858000" cy="9144000"/>
@@ -160,6 +161,7 @@
             <p14:sldId id="303"/>
             <p14:sldId id="304"/>
             <p14:sldId id="305"/>
+            <p14:sldId id="308"/>
             <p14:sldId id="306"/>
             <p14:sldId id="307"/>
           </p14:sldIdLst>
@@ -268,7 +270,7 @@
             <a:fld id="{D83FDC75-7F73-4A4A-A77C-09AADF00E0EA}" type="datetimeFigureOut">
               <a:rPr lang="en-US" smtClean="0"/>
               <a:pPr/>
-              <a:t>02/06/18</a:t>
+              <a:t>25/06/18</a:t>
             </a:fld>
             <a:endParaRPr lang="en-US" dirty="0"/>
           </a:p>
@@ -435,7 +437,7 @@
             <a:fld id="{48AEF76B-3757-4A0B-AF93-28494465C1DD}" type="datetimeFigureOut">
               <a:rPr lang="en-US" smtClean="0"/>
               <a:pPr/>
-              <a:t>02/06/18</a:t>
+              <a:t>25/06/18</a:t>
             </a:fld>
             <a:endParaRPr lang="en-US" dirty="0"/>
           </a:p>
@@ -1108,7 +1110,6 @@
               <a:rPr lang="en-US" dirty="0" smtClean="0"/>
               <a:t>Gender</a:t>
             </a:r>
-            <a:endParaRPr lang="en-US" dirty="0" smtClean="0"/>
           </a:p>
         </p:txBody>
       </p:sp>
@@ -1199,7 +1200,6 @@
               <a:rPr lang="en-US" dirty="0" smtClean="0"/>
               <a:t>Credit limit</a:t>
             </a:r>
-            <a:endParaRPr lang="en-US" dirty="0" smtClean="0"/>
           </a:p>
         </p:txBody>
       </p:sp>
@@ -1290,7 +1290,6 @@
               <a:rPr lang="en-US" dirty="0" smtClean="0"/>
               <a:t>Missed payments</a:t>
             </a:r>
-            <a:endParaRPr lang="en-US" dirty="0" smtClean="0"/>
           </a:p>
         </p:txBody>
       </p:sp>
@@ -1381,7 +1380,6 @@
               <a:rPr lang="en-US" dirty="0" smtClean="0"/>
               <a:t>Correlations</a:t>
             </a:r>
-            <a:endParaRPr lang="en-US" dirty="0" smtClean="0"/>
           </a:p>
         </p:txBody>
       </p:sp>
@@ -1472,7 +1470,6 @@
               <a:rPr lang="en-US" dirty="0" smtClean="0"/>
               <a:t>Composite</a:t>
             </a:r>
-            <a:endParaRPr lang="en-US" dirty="0" smtClean="0"/>
           </a:p>
         </p:txBody>
       </p:sp>
@@ -1563,7 +1560,6 @@
               <a:rPr lang="en-US" dirty="0" smtClean="0"/>
               <a:t>Descriptive</a:t>
             </a:r>
-            <a:endParaRPr lang="en-US" dirty="0" smtClean="0"/>
           </a:p>
         </p:txBody>
       </p:sp>
@@ -1654,7 +1650,6 @@
               <a:rPr lang="en-US" dirty="0" smtClean="0"/>
               <a:t>inferential</a:t>
             </a:r>
-            <a:endParaRPr lang="en-US" dirty="0" smtClean="0"/>
           </a:p>
         </p:txBody>
       </p:sp>
@@ -1745,7 +1740,6 @@
               <a:rPr lang="en-US" dirty="0" smtClean="0"/>
               <a:t>Inferential</a:t>
             </a:r>
-            <a:endParaRPr lang="en-US" dirty="0" smtClean="0"/>
           </a:p>
         </p:txBody>
       </p:sp>
@@ -1836,7 +1830,6 @@
               <a:rPr lang="en-US" dirty="0" smtClean="0"/>
               <a:t>Logistic Regression</a:t>
             </a:r>
-            <a:endParaRPr lang="en-US" dirty="0" smtClean="0"/>
           </a:p>
         </p:txBody>
       </p:sp>
@@ -1927,7 +1920,6 @@
               <a:rPr lang="en-US" dirty="0" smtClean="0"/>
               <a:t>Logistic Regression</a:t>
             </a:r>
-            <a:endParaRPr lang="en-US" dirty="0" smtClean="0"/>
           </a:p>
         </p:txBody>
       </p:sp>
@@ -2018,7 +2010,6 @@
               <a:rPr lang="en-US" dirty="0" smtClean="0"/>
               <a:t>Overall, what this presentation is about</a:t>
             </a:r>
-            <a:endParaRPr lang="en-US" dirty="0" smtClean="0"/>
           </a:p>
         </p:txBody>
       </p:sp>
@@ -2109,7 +2100,6 @@
               <a:rPr lang="en-US" dirty="0" smtClean="0"/>
               <a:t>KNN and RF</a:t>
             </a:r>
-            <a:endParaRPr lang="en-US" dirty="0" smtClean="0"/>
           </a:p>
         </p:txBody>
       </p:sp>
@@ -2198,9 +2188,8 @@
             </a:pPr>
             <a:r>
               <a:rPr lang="en-US" dirty="0" smtClean="0"/>
-              <a:t>Conclusion</a:t>
-            </a:r>
-            <a:endParaRPr lang="en-US" dirty="0" smtClean="0"/>
+              <a:t>KNN and RF</a:t>
+            </a:r>
           </a:p>
         </p:txBody>
       </p:sp>
@@ -2289,9 +2278,8 @@
             </a:pPr>
             <a:r>
               <a:rPr lang="en-US" dirty="0" smtClean="0"/>
-              <a:t>What is the goal of the data story</a:t>
-            </a:r>
-            <a:endParaRPr lang="en-US" dirty="0" smtClean="0"/>
+              <a:t>Conclusion</a:t>
+            </a:r>
           </a:p>
         </p:txBody>
       </p:sp>
@@ -2314,6 +2302,96 @@
               <a:rPr lang="en-US" smtClean="0"/>
               <a:pPr/>
               <a:t>22</a:t>
+            </a:fld>
+            <a:endParaRPr lang="en-US"/>
+          </a:p>
+        </p:txBody>
+      </p:sp>
+    </p:spTree>
+  </p:cSld>
+  <p:clrMapOvr>
+    <a:masterClrMapping/>
+  </p:clrMapOvr>
+</p:notes>
+</file>
+
+<file path=ppt/notesSlides/notesSlide23.xml><?xml version="1.0" encoding="utf-8"?>
+<p:notes xmlns:a="http://schemas.openxmlformats.org/drawingml/2006/main" xmlns:r="http://schemas.openxmlformats.org/officeDocument/2006/relationships" xmlns:p="http://schemas.openxmlformats.org/presentationml/2006/main">
+  <p:cSld>
+    <p:spTree>
+      <p:nvGrpSpPr>
+        <p:cNvPr id="1" name=""/>
+        <p:cNvGrpSpPr/>
+        <p:nvPr/>
+      </p:nvGrpSpPr>
+      <p:grpSpPr>
+        <a:xfrm>
+          <a:off x="0" y="0"/>
+          <a:ext cx="0" cy="0"/>
+          <a:chOff x="0" y="0"/>
+          <a:chExt cx="0" cy="0"/>
+        </a:xfrm>
+      </p:grpSpPr>
+      <p:sp>
+        <p:nvSpPr>
+          <p:cNvPr id="2" name="Slide Image Placeholder 1"/>
+          <p:cNvSpPr>
+            <a:spLocks noGrp="1" noRot="1" noChangeAspect="1"/>
+          </p:cNvSpPr>
+          <p:nvPr>
+            <p:ph type="sldImg"/>
+          </p:nvPr>
+        </p:nvSpPr>
+        <p:spPr/>
+      </p:sp>
+      <p:sp>
+        <p:nvSpPr>
+          <p:cNvPr id="3" name="Notes Placeholder 2"/>
+          <p:cNvSpPr>
+            <a:spLocks noGrp="1"/>
+          </p:cNvSpPr>
+          <p:nvPr>
+            <p:ph type="body" idx="1"/>
+          </p:nvPr>
+        </p:nvSpPr>
+        <p:spPr/>
+        <p:txBody>
+          <a:bodyPr>
+            <a:normAutofit/>
+          </a:bodyPr>
+          <a:lstStyle/>
+          <a:p>
+            <a:pPr>
+              <a:lnSpc>
+                <a:spcPct val="80000"/>
+              </a:lnSpc>
+            </a:pPr>
+            <a:r>
+              <a:rPr lang="en-US" dirty="0" smtClean="0"/>
+              <a:t>What is the goal of the data story</a:t>
+            </a:r>
+          </a:p>
+        </p:txBody>
+      </p:sp>
+      <p:sp>
+        <p:nvSpPr>
+          <p:cNvPr id="4" name="Slide Number Placeholder 3"/>
+          <p:cNvSpPr>
+            <a:spLocks noGrp="1"/>
+          </p:cNvSpPr>
+          <p:nvPr>
+            <p:ph type="sldNum" sz="quarter" idx="10"/>
+          </p:nvPr>
+        </p:nvSpPr>
+        <p:spPr/>
+        <p:txBody>
+          <a:bodyPr/>
+          <a:lstStyle/>
+          <a:p>
+            <a:fld id="{EC6EAC7D-5A89-47C2-8ABA-56C9C2DEF7A4}" type="slidenum">
+              <a:rPr lang="en-US" smtClean="0"/>
+              <a:pPr/>
+              <a:t>23</a:t>
             </a:fld>
             <a:endParaRPr lang="en-US"/>
           </a:p>
@@ -2477,7 +2555,6 @@
               <a:rPr lang="en-US" dirty="0" smtClean="0"/>
               <a:t>Description of the dataset being used in the project</a:t>
             </a:r>
-            <a:endParaRPr lang="en-US" dirty="0" smtClean="0"/>
           </a:p>
         </p:txBody>
       </p:sp>
@@ -2568,7 +2645,6 @@
               <a:rPr lang="en-US" dirty="0" smtClean="0"/>
               <a:t>What is the goal of the data story</a:t>
             </a:r>
-            <a:endParaRPr lang="en-US" dirty="0" smtClean="0"/>
           </a:p>
         </p:txBody>
       </p:sp>
@@ -2659,7 +2735,6 @@
               <a:rPr lang="en-US" dirty="0" smtClean="0"/>
               <a:t>Age</a:t>
             </a:r>
-            <a:endParaRPr lang="en-US" dirty="0" smtClean="0"/>
           </a:p>
         </p:txBody>
       </p:sp>
@@ -2750,7 +2825,6 @@
               <a:rPr lang="en-US" dirty="0" smtClean="0"/>
               <a:t>Last Payment</a:t>
             </a:r>
-            <a:endParaRPr lang="en-US" dirty="0" smtClean="0"/>
           </a:p>
         </p:txBody>
       </p:sp>
@@ -2841,7 +2915,6 @@
               <a:rPr lang="en-US" dirty="0" smtClean="0"/>
               <a:t>Education</a:t>
             </a:r>
-            <a:endParaRPr lang="en-US" dirty="0" smtClean="0"/>
           </a:p>
         </p:txBody>
       </p:sp>
@@ -2932,7 +3005,6 @@
               <a:rPr lang="en-US" dirty="0" smtClean="0"/>
               <a:t>Marital status</a:t>
             </a:r>
-            <a:endParaRPr lang="en-US" dirty="0" smtClean="0"/>
           </a:p>
         </p:txBody>
       </p:sp>
@@ -3436,7 +3508,7 @@
             <a:fld id="{757B281C-5159-4971-8228-52B9A72E9ED2}" type="datetimeFigureOut">
               <a:rPr lang="en-US" smtClean="0"/>
               <a:pPr/>
-              <a:t>02/06/18</a:t>
+              <a:t>25/06/18</a:t>
             </a:fld>
             <a:endParaRPr lang="en-US" dirty="0"/>
           </a:p>
@@ -3538,7 +3610,7 @@
             <a:fld id="{757B281C-5159-4971-8228-52B9A72E9ED2}" type="datetimeFigureOut">
               <a:rPr lang="en-US" smtClean="0"/>
               <a:pPr/>
-              <a:t>02/06/18</a:t>
+              <a:t>25/06/18</a:t>
             </a:fld>
             <a:endParaRPr lang="en-US" dirty="0"/>
           </a:p>
@@ -3674,7 +3746,7 @@
             <a:fld id="{757B281C-5159-4971-8228-52B9A72E9ED2}" type="datetimeFigureOut">
               <a:rPr lang="en-US" smtClean="0"/>
               <a:pPr/>
-              <a:t>02/06/18</a:t>
+              <a:t>25/06/18</a:t>
             </a:fld>
             <a:endParaRPr lang="en-US" dirty="0"/>
           </a:p>
@@ -3880,7 +3952,7 @@
             <a:fld id="{757B281C-5159-4971-8228-52B9A72E9ED2}" type="datetimeFigureOut">
               <a:rPr lang="en-US" smtClean="0"/>
               <a:pPr/>
-              <a:t>02/06/18</a:t>
+              <a:t>25/06/18</a:t>
             </a:fld>
             <a:endParaRPr lang="en-US" dirty="0"/>
           </a:p>
@@ -4279,7 +4351,7 @@
             <a:fld id="{757B281C-5159-4971-8228-52B9A72E9ED2}" type="datetimeFigureOut">
               <a:rPr lang="en-US" smtClean="0"/>
               <a:pPr/>
-              <a:t>02/06/18</a:t>
+              <a:t>25/06/18</a:t>
             </a:fld>
             <a:endParaRPr lang="en-US" dirty="0"/>
           </a:p>
@@ -4579,7 +4651,7 @@
             <a:fld id="{757B281C-5159-4971-8228-52B9A72E9ED2}" type="datetimeFigureOut">
               <a:rPr lang="en-US" smtClean="0"/>
               <a:pPr/>
-              <a:t>02/06/18</a:t>
+              <a:t>25/06/18</a:t>
             </a:fld>
             <a:endParaRPr lang="en-US" dirty="0"/>
           </a:p>
@@ -5008,7 +5080,7 @@
             <a:fld id="{757B281C-5159-4971-8228-52B9A72E9ED2}" type="datetimeFigureOut">
               <a:rPr lang="en-US" smtClean="0"/>
               <a:pPr/>
-              <a:t>02/06/18</a:t>
+              <a:t>25/06/18</a:t>
             </a:fld>
             <a:endParaRPr lang="en-US" dirty="0"/>
           </a:p>
@@ -5285,7 +5357,7 @@
             <a:fld id="{757B281C-5159-4971-8228-52B9A72E9ED2}" type="datetimeFigureOut">
               <a:rPr lang="en-US" smtClean="0"/>
               <a:pPr/>
-              <a:t>02/06/18</a:t>
+              <a:t>25/06/18</a:t>
             </a:fld>
             <a:endParaRPr lang="en-US" dirty="0"/>
           </a:p>
@@ -5549,7 +5621,7 @@
             <a:fld id="{757B281C-5159-4971-8228-52B9A72E9ED2}" type="datetimeFigureOut">
               <a:rPr lang="en-US" smtClean="0"/>
               <a:pPr/>
-              <a:t>02/06/18</a:t>
+              <a:t>25/06/18</a:t>
             </a:fld>
             <a:endParaRPr lang="en-US" dirty="0"/>
           </a:p>
@@ -5719,7 +5791,7 @@
             <a:fld id="{757B281C-5159-4971-8228-52B9A72E9ED2}" type="datetimeFigureOut">
               <a:rPr lang="en-US" smtClean="0"/>
               <a:pPr/>
-              <a:t>02/06/18</a:t>
+              <a:t>25/06/18</a:t>
             </a:fld>
             <a:endParaRPr lang="en-US" dirty="0"/>
           </a:p>
@@ -5899,7 +5971,7 @@
             <a:fld id="{757B281C-5159-4971-8228-52B9A72E9ED2}" type="datetimeFigureOut">
               <a:rPr lang="en-US" smtClean="0"/>
               <a:pPr/>
-              <a:t>02/06/18</a:t>
+              <a:t>25/06/18</a:t>
             </a:fld>
             <a:endParaRPr lang="en-US" dirty="0"/>
           </a:p>
@@ -6141,7 +6213,7 @@
             <a:fld id="{757B281C-5159-4971-8228-52B9A72E9ED2}" type="datetimeFigureOut">
               <a:rPr lang="en-US" smtClean="0"/>
               <a:pPr/>
-              <a:t>02/06/18</a:t>
+              <a:t>25/06/18</a:t>
             </a:fld>
             <a:endParaRPr lang="en-US" dirty="0"/>
           </a:p>
@@ -6618,9 +6690,6 @@
               </a:rPr>
               <a:t>Dipanjan Bandyopadhyay</a:t>
             </a:r>
-            <a:endParaRPr lang="en-US" sz="2400" dirty="0" smtClean="0">
-              <a:latin typeface="+mn-lt"/>
-            </a:endParaRPr>
           </a:p>
           <a:p>
             <a:r>
@@ -9078,11 +9147,7 @@
             </a:r>
             <a:r>
               <a:rPr lang="en-IN" sz="2400" dirty="0"/>
-              <a:t>[-0.00014417]</a:t>
-            </a:r>
-            <a:r>
-              <a:rPr lang="en-IN" sz="2400" dirty="0"/>
-              <a:t> </a:t>
+              <a:t>[-0.00014417] </a:t>
             </a:r>
             <a:endParaRPr lang="en-US" sz="2400" dirty="0" smtClean="0"/>
           </a:p>
@@ -9399,7 +9464,6 @@
               <a:rPr lang="en-US" dirty="0" smtClean="0"/>
               <a:t>The dataset</a:t>
             </a:r>
-            <a:endParaRPr lang="en-US" dirty="0" smtClean="0"/>
           </a:p>
           <a:p>
             <a:r>
@@ -9425,7 +9489,6 @@
               <a:rPr lang="en-US" dirty="0" smtClean="0"/>
               <a:t>Conclusion</a:t>
             </a:r>
-            <a:endParaRPr lang="en-US" dirty="0" smtClean="0"/>
           </a:p>
         </p:txBody>
       </p:sp>
@@ -9546,11 +9609,7 @@
             </a:pPr>
             <a:r>
               <a:rPr lang="en-IN" dirty="0"/>
-              <a:t>Training score:  0.805904761905 Testing score:  0.739888888889</a:t>
-            </a:r>
-            <a:r>
-              <a:rPr lang="en-IN" dirty="0"/>
-              <a:t> </a:t>
+              <a:t>Training score:  0.805904761905 Testing score:  0.739888888889 </a:t>
             </a:r>
             <a:endParaRPr lang="en-IN" dirty="0" smtClean="0"/>
           </a:p>
@@ -9588,11 +9647,7 @@
             </a:pPr>
             <a:r>
               <a:rPr lang="en-IN" dirty="0"/>
-              <a:t>Training score:  0.978619047619 Testing score:  0.799333333333</a:t>
-            </a:r>
-            <a:r>
-              <a:rPr lang="en-IN" dirty="0"/>
-              <a:t> </a:t>
+              <a:t>Training score:  0.978619047619 Testing score:  0.799333333333 </a:t>
             </a:r>
             <a:endParaRPr lang="en-IN" dirty="0" smtClean="0"/>
           </a:p>
@@ -9723,6 +9778,239 @@
           <a:p>
             <a:r>
               <a:rPr lang="en-US" dirty="0" smtClean="0"/>
+              <a:t>Machine learning algorithms</a:t>
+            </a:r>
+            <a:endParaRPr lang="en-US" dirty="0"/>
+          </a:p>
+        </p:txBody>
+      </p:sp>
+      <p:sp>
+        <p:nvSpPr>
+          <p:cNvPr id="5" name="Content Placeholder 4"/>
+          <p:cNvSpPr>
+            <a:spLocks noGrp="1"/>
+          </p:cNvSpPr>
+          <p:nvPr>
+            <p:ph idx="1"/>
+            <p:custDataLst>
+              <p:tags r:id="rId3"/>
+            </p:custDataLst>
+          </p:nvPr>
+        </p:nvSpPr>
+        <p:spPr>
+          <a:xfrm>
+            <a:off x="381000" y="1524000"/>
+            <a:ext cx="9067800" cy="4750776"/>
+          </a:xfrm>
+        </p:spPr>
+        <p:txBody>
+          <a:bodyPr>
+            <a:normAutofit/>
+          </a:bodyPr>
+          <a:lstStyle/>
+          <a:p>
+            <a:pPr marL="457200" lvl="1" indent="0">
+              <a:buNone/>
+            </a:pPr>
+            <a:r>
+              <a:rPr lang="en-IN" dirty="0" smtClean="0"/>
+              <a:t>There is class imbalance in dataset with default = yes as the minority class</a:t>
+            </a:r>
+          </a:p>
+          <a:p>
+            <a:pPr marL="457200" lvl="1" indent="0">
+              <a:buNone/>
+            </a:pPr>
+            <a:endParaRPr lang="en-IN" dirty="0"/>
+          </a:p>
+          <a:p>
+            <a:pPr marL="457200" lvl="1" indent="0">
+              <a:buNone/>
+            </a:pPr>
+            <a:r>
+              <a:rPr lang="en-IN" dirty="0" smtClean="0"/>
+              <a:t>Random Forest algorithm was </a:t>
+            </a:r>
+            <a:r>
+              <a:rPr lang="en-IN" dirty="0" smtClean="0"/>
+              <a:t>used with class_weight = ‘balanced’</a:t>
+            </a:r>
+            <a:endParaRPr lang="en-IN" dirty="0"/>
+          </a:p>
+          <a:p>
+            <a:pPr marL="457200" lvl="1" indent="0">
+              <a:buNone/>
+            </a:pPr>
+            <a:r>
+              <a:rPr lang="en-IN" dirty="0"/>
+              <a:t>Results:</a:t>
+            </a:r>
+          </a:p>
+          <a:p>
+            <a:pPr marL="457200" lvl="1" indent="0">
+              <a:buNone/>
+            </a:pPr>
+            <a:r>
+              <a:rPr lang="en-IN" dirty="0"/>
+              <a:t>Training score:  </a:t>
+            </a:r>
+            <a:r>
+              <a:rPr lang="is-IS" dirty="0"/>
+              <a:t>0.977857142857 </a:t>
+            </a:r>
+            <a:endParaRPr lang="is-IS" dirty="0"/>
+          </a:p>
+          <a:p>
+            <a:pPr marL="457200" lvl="1" indent="0">
+              <a:buNone/>
+            </a:pPr>
+            <a:r>
+              <a:rPr lang="en-IN" dirty="0" smtClean="0"/>
+              <a:t>Testing </a:t>
+            </a:r>
+            <a:r>
+              <a:rPr lang="en-IN" dirty="0"/>
+              <a:t>score:  </a:t>
+            </a:r>
+            <a:r>
+              <a:rPr lang="en-US" dirty="0"/>
+              <a:t>0.802444444444 </a:t>
+            </a:r>
+            <a:endParaRPr lang="en-US" dirty="0"/>
+          </a:p>
+          <a:p>
+            <a:pPr marL="457200" lvl="1" indent="0">
+              <a:buNone/>
+            </a:pPr>
+            <a:endParaRPr lang="en-IN" dirty="0" smtClean="0"/>
+          </a:p>
+          <a:p>
+            <a:endParaRPr lang="en-US" dirty="0" smtClean="0"/>
+          </a:p>
+          <a:p>
+            <a:endParaRPr lang="en-US" dirty="0" smtClean="0"/>
+          </a:p>
+        </p:txBody>
+      </p:sp>
+      <p:sp>
+        <p:nvSpPr>
+          <p:cNvPr id="4" name="Title 1"/>
+          <p:cNvSpPr txBox="1">
+            <a:spLocks/>
+          </p:cNvSpPr>
+          <p:nvPr>
+            <p:custDataLst>
+              <p:tags r:id="rId4"/>
+            </p:custDataLst>
+          </p:nvPr>
+        </p:nvSpPr>
+        <p:spPr>
+          <a:xfrm>
+            <a:off x="914400" y="762000"/>
+            <a:ext cx="8077200" cy="823320"/>
+          </a:xfrm>
+          <a:prstGeom prst="rect">
+            <a:avLst/>
+          </a:prstGeom>
+        </p:spPr>
+        <p:txBody>
+          <a:bodyPr vert="horz" lIns="91440" tIns="45720" rIns="91440" bIns="45720" rtlCol="0" anchor="ctr" anchorCtr="0">
+            <a:normAutofit/>
+          </a:bodyPr>
+          <a:lstStyle>
+            <a:lvl1pPr algn="l" defTabSz="914400" rtl="0" eaLnBrk="1" latinLnBrk="0" hangingPunct="1">
+              <a:spcBef>
+                <a:spcPct val="0"/>
+              </a:spcBef>
+              <a:buNone/>
+              <a:defRPr lang="en-US" sz="4400" kern="1200" dirty="0">
+                <a:solidFill>
+                  <a:schemeClr val="tx1"/>
+                </a:solidFill>
+                <a:latin typeface="+mj-lt"/>
+                <a:ea typeface="+mj-ea"/>
+                <a:cs typeface="+mj-cs"/>
+              </a:defRPr>
+            </a:lvl1pPr>
+          </a:lstStyle>
+          <a:p>
+            <a:pPr algn="ctr"/>
+            <a:r>
+              <a:rPr lang="en-US" sz="3600" dirty="0" smtClean="0"/>
+              <a:t>Taking care of class imbalance</a:t>
+            </a:r>
+            <a:endParaRPr lang="en-US" sz="3600" dirty="0"/>
+          </a:p>
+        </p:txBody>
+      </p:sp>
+    </p:spTree>
+    <p:custDataLst>
+      <p:tags r:id="rId1"/>
+    </p:custDataLst>
+    <p:extLst>
+      <p:ext uri="{BB962C8B-B14F-4D97-AF65-F5344CB8AC3E}">
+        <p14:creationId xmlns:p14="http://schemas.microsoft.com/office/powerpoint/2010/main" val="1332739559"/>
+      </p:ext>
+    </p:extLst>
+  </p:cSld>
+  <p:clrMapOvr>
+    <a:masterClrMapping/>
+  </p:clrMapOvr>
+  <p:transition xmlns:p14="http://schemas.microsoft.com/office/powerpoint/2010/main" spd="slow">
+    <p:wipe dir="d"/>
+  </p:transition>
+  <p:timing>
+    <p:tnLst>
+      <p:par>
+        <p:cTn xmlns:p14="http://schemas.microsoft.com/office/powerpoint/2010/main" id="1" dur="indefinite" restart="never" nodeType="tmRoot"/>
+      </p:par>
+    </p:tnLst>
+  </p:timing>
+</p:sld>
+</file>
+
+<file path=ppt/slides/slide22.xml><?xml version="1.0" encoding="utf-8"?>
+<p:sld xmlns:a="http://schemas.openxmlformats.org/drawingml/2006/main" xmlns:r="http://schemas.openxmlformats.org/officeDocument/2006/relationships" xmlns:p="http://schemas.openxmlformats.org/presentationml/2006/main">
+  <p:cSld>
+    <p:spTree>
+      <p:nvGrpSpPr>
+        <p:cNvPr id="1" name=""/>
+        <p:cNvGrpSpPr/>
+        <p:nvPr/>
+      </p:nvGrpSpPr>
+      <p:grpSpPr>
+        <a:xfrm>
+          <a:off x="0" y="0"/>
+          <a:ext cx="0" cy="0"/>
+          <a:chOff x="0" y="0"/>
+          <a:chExt cx="0" cy="0"/>
+        </a:xfrm>
+      </p:grpSpPr>
+      <p:sp>
+        <p:nvSpPr>
+          <p:cNvPr id="2" name="Title 1"/>
+          <p:cNvSpPr>
+            <a:spLocks noGrp="1"/>
+          </p:cNvSpPr>
+          <p:nvPr>
+            <p:ph type="title"/>
+            <p:custDataLst>
+              <p:tags r:id="rId2"/>
+            </p:custDataLst>
+          </p:nvPr>
+        </p:nvSpPr>
+        <p:spPr>
+          <a:xfrm>
+            <a:off x="762000" y="14880"/>
+            <a:ext cx="8077200" cy="823320"/>
+          </a:xfrm>
+        </p:spPr>
+        <p:txBody>
+          <a:bodyPr/>
+          <a:lstStyle/>
+          <a:p>
+            <a:r>
+              <a:rPr lang="en-US" dirty="0" smtClean="0"/>
               <a:t>Conclusions</a:t>
             </a:r>
             <a:endParaRPr lang="en-US" dirty="0"/>
@@ -9772,7 +10060,6 @@
               <a:rPr lang="en-US" dirty="0" smtClean="0"/>
               <a:t>If Banks and financial institutions follow some of the findings and recommendations of this project while choosing the demographics and credit limit of the customers; they can reduce default. </a:t>
             </a:r>
-            <a:endParaRPr lang="en-US" dirty="0" smtClean="0"/>
           </a:p>
         </p:txBody>
       </p:sp>
@@ -9802,7 +10089,7 @@
 </p:sld>
 </file>
 
-<file path=ppt/slides/slide22.xml><?xml version="1.0" encoding="utf-8"?>
+<file path=ppt/slides/slide23.xml><?xml version="1.0" encoding="utf-8"?>
 <p:sld xmlns:a="http://schemas.openxmlformats.org/drawingml/2006/main" xmlns:r="http://schemas.openxmlformats.org/officeDocument/2006/relationships" xmlns:p="http://schemas.openxmlformats.org/presentationml/2006/main">
   <p:cSld>
     <p:spTree>
@@ -10184,7 +10471,6 @@
               <a:rPr lang="en-US" dirty="0" smtClean="0"/>
               <a:t>Default status</a:t>
             </a:r>
-            <a:endParaRPr lang="en-US" dirty="0" smtClean="0"/>
           </a:p>
           <a:p>
             <a:r>
@@ -12017,11 +12303,23 @@
 
 <file path=ppt/tags/tag66.xml><?xml version="1.0" encoding="utf-8"?>
 <p:tagLst xmlns:a="http://schemas.openxmlformats.org/drawingml/2006/main" xmlns:r="http://schemas.openxmlformats.org/officeDocument/2006/relationships" xmlns:p="http://schemas.openxmlformats.org/presentationml/2006/main">
+  <p:tag name="DVSHAPEID" val="InkrlxYPS4jAzciXk8ToAM"/>
+</p:tagLst>
+</file>
+
+<file path=ppt/tags/tag67.xml><?xml version="1.0" encoding="utf-8"?>
+<p:tagLst xmlns:a="http://schemas.openxmlformats.org/drawingml/2006/main" xmlns:r="http://schemas.openxmlformats.org/officeDocument/2006/relationships" xmlns:p="http://schemas.openxmlformats.org/presentationml/2006/main">
   <p:tag name="DVSECTIONID" val="QUq8QELArFIgadhH063fpq"/>
 </p:tagLst>
 </file>
 
-<file path=ppt/tags/tag67.xml><?xml version="1.0" encoding="utf-8"?>
+<file path=ppt/tags/tag68.xml><?xml version="1.0" encoding="utf-8"?>
+<p:tagLst xmlns:a="http://schemas.openxmlformats.org/drawingml/2006/main" xmlns:r="http://schemas.openxmlformats.org/officeDocument/2006/relationships" xmlns:p="http://schemas.openxmlformats.org/presentationml/2006/main">
+  <p:tag name="DVSHAPEID" val="InkrlxYPS4jAzciXk8ToAM"/>
+</p:tagLst>
+</file>
+
+<file path=ppt/tags/tag69.xml><?xml version="1.0" encoding="utf-8"?>
 <p:tagLst xmlns:a="http://schemas.openxmlformats.org/drawingml/2006/main" xmlns:r="http://schemas.openxmlformats.org/officeDocument/2006/relationships" xmlns:p="http://schemas.openxmlformats.org/presentationml/2006/main">
   <p:tag name="DVSHAPEID" val="retnMj4SFfqbVIhVK0Rf83"/>
 </p:tagLst>
@@ -12030,6 +12328,18 @@
 <file path=ppt/tags/tag7.xml><?xml version="1.0" encoding="utf-8"?>
 <p:tagLst xmlns:a="http://schemas.openxmlformats.org/drawingml/2006/main" xmlns:r="http://schemas.openxmlformats.org/officeDocument/2006/relationships" xmlns:p="http://schemas.openxmlformats.org/presentationml/2006/main">
   <p:tag name="DVSECTIONID" val="QUq8QELArFIgadhH063fpq"/>
+</p:tagLst>
+</file>
+
+<file path=ppt/tags/tag70.xml><?xml version="1.0" encoding="utf-8"?>
+<p:tagLst xmlns:a="http://schemas.openxmlformats.org/drawingml/2006/main" xmlns:r="http://schemas.openxmlformats.org/officeDocument/2006/relationships" xmlns:p="http://schemas.openxmlformats.org/presentationml/2006/main">
+  <p:tag name="DVSECTIONID" val="QUq8QELArFIgadhH063fpq"/>
+</p:tagLst>
+</file>
+
+<file path=ppt/tags/tag71.xml><?xml version="1.0" encoding="utf-8"?>
+<p:tagLst xmlns:a="http://schemas.openxmlformats.org/drawingml/2006/main" xmlns:r="http://schemas.openxmlformats.org/officeDocument/2006/relationships" xmlns:p="http://schemas.openxmlformats.org/presentationml/2006/main">
+  <p:tag name="DVSHAPEID" val="retnMj4SFfqbVIhVK0Rf83"/>
 </p:tagLst>
 </file>
 
